--- a/ppt/lesson02.pptx
+++ b/ppt/lesson02.pptx
@@ -8,10 +8,9 @@
     <p:sldId id="256" r:id="rId2"/>
     <p:sldId id="264" r:id="rId3"/>
     <p:sldId id="271" r:id="rId4"/>
-    <p:sldId id="272" r:id="rId5"/>
   </p:sldIdLst>
   <p:sldSz cx="9144000" cy="6858000" type="screen4x3"/>
-  <p:notesSz cx="6888163" cy="10020300"/>
+  <p:notesSz cx="7104063" cy="10234613"/>
   <p:defaultTextStyle>
     <a:defPPr>
       <a:defRPr lang="en-US"/>
@@ -250,7 +249,7 @@
           <a:p>
             <a:fld id="{E1BA411A-197C-4FAE-AAA1-E05F9BAD9EAC}" type="datetimeFigureOut">
               <a:rPr lang="en-US" smtClean="0"/>
-              <a:t>11/28/2017</a:t>
+              <a:t>12/12/2017</a:t>
             </a:fld>
             <a:endParaRPr lang="en-US"/>
           </a:p>
@@ -420,7 +419,7 @@
           <a:p>
             <a:fld id="{E1BA411A-197C-4FAE-AAA1-E05F9BAD9EAC}" type="datetimeFigureOut">
               <a:rPr lang="en-US" smtClean="0"/>
-              <a:t>11/28/2017</a:t>
+              <a:t>12/12/2017</a:t>
             </a:fld>
             <a:endParaRPr lang="en-US"/>
           </a:p>
@@ -600,7 +599,7 @@
           <a:p>
             <a:fld id="{E1BA411A-197C-4FAE-AAA1-E05F9BAD9EAC}" type="datetimeFigureOut">
               <a:rPr lang="en-US" smtClean="0"/>
-              <a:t>11/28/2017</a:t>
+              <a:t>12/12/2017</a:t>
             </a:fld>
             <a:endParaRPr lang="en-US"/>
           </a:p>
@@ -770,7 +769,7 @@
           <a:p>
             <a:fld id="{E1BA411A-197C-4FAE-AAA1-E05F9BAD9EAC}" type="datetimeFigureOut">
               <a:rPr lang="en-US" smtClean="0"/>
-              <a:t>11/28/2017</a:t>
+              <a:t>12/12/2017</a:t>
             </a:fld>
             <a:endParaRPr lang="en-US"/>
           </a:p>
@@ -1014,7 +1013,7 @@
           <a:p>
             <a:fld id="{E1BA411A-197C-4FAE-AAA1-E05F9BAD9EAC}" type="datetimeFigureOut">
               <a:rPr lang="en-US" smtClean="0"/>
-              <a:t>11/28/2017</a:t>
+              <a:t>12/12/2017</a:t>
             </a:fld>
             <a:endParaRPr lang="en-US"/>
           </a:p>
@@ -1246,7 +1245,7 @@
           <a:p>
             <a:fld id="{E1BA411A-197C-4FAE-AAA1-E05F9BAD9EAC}" type="datetimeFigureOut">
               <a:rPr lang="en-US" smtClean="0"/>
-              <a:t>11/28/2017</a:t>
+              <a:t>12/12/2017</a:t>
             </a:fld>
             <a:endParaRPr lang="en-US"/>
           </a:p>
@@ -1613,7 +1612,7 @@
           <a:p>
             <a:fld id="{E1BA411A-197C-4FAE-AAA1-E05F9BAD9EAC}" type="datetimeFigureOut">
               <a:rPr lang="en-US" smtClean="0"/>
-              <a:t>11/28/2017</a:t>
+              <a:t>12/12/2017</a:t>
             </a:fld>
             <a:endParaRPr lang="en-US"/>
           </a:p>
@@ -1731,7 +1730,7 @@
           <a:p>
             <a:fld id="{E1BA411A-197C-4FAE-AAA1-E05F9BAD9EAC}" type="datetimeFigureOut">
               <a:rPr lang="en-US" smtClean="0"/>
-              <a:t>11/28/2017</a:t>
+              <a:t>12/12/2017</a:t>
             </a:fld>
             <a:endParaRPr lang="en-US"/>
           </a:p>
@@ -1826,7 +1825,7 @@
           <a:p>
             <a:fld id="{E1BA411A-197C-4FAE-AAA1-E05F9BAD9EAC}" type="datetimeFigureOut">
               <a:rPr lang="en-US" smtClean="0"/>
-              <a:t>11/28/2017</a:t>
+              <a:t>12/12/2017</a:t>
             </a:fld>
             <a:endParaRPr lang="en-US"/>
           </a:p>
@@ -2103,7 +2102,7 @@
           <a:p>
             <a:fld id="{E1BA411A-197C-4FAE-AAA1-E05F9BAD9EAC}" type="datetimeFigureOut">
               <a:rPr lang="en-US" smtClean="0"/>
-              <a:t>11/28/2017</a:t>
+              <a:t>12/12/2017</a:t>
             </a:fld>
             <a:endParaRPr lang="en-US"/>
           </a:p>
@@ -2360,7 +2359,7 @@
           <a:p>
             <a:fld id="{E1BA411A-197C-4FAE-AAA1-E05F9BAD9EAC}" type="datetimeFigureOut">
               <a:rPr lang="en-US" smtClean="0"/>
-              <a:t>11/28/2017</a:t>
+              <a:t>12/12/2017</a:t>
             </a:fld>
             <a:endParaRPr lang="en-US"/>
           </a:p>
@@ -2573,7 +2572,7 @@
           <a:p>
             <a:fld id="{E1BA411A-197C-4FAE-AAA1-E05F9BAD9EAC}" type="datetimeFigureOut">
               <a:rPr lang="en-US" smtClean="0"/>
-              <a:t>11/28/2017</a:t>
+              <a:t>12/12/2017</a:t>
             </a:fld>
             <a:endParaRPr lang="en-US"/>
           </a:p>
@@ -2994,32 +2993,49 @@
             <p:ph type="ctrTitle"/>
           </p:nvPr>
         </p:nvSpPr>
-        <p:spPr/>
+        <p:spPr>
+          <a:xfrm>
+            <a:off x="685800" y="-487775"/>
+            <a:ext cx="7772400" cy="2387600"/>
+          </a:xfrm>
+        </p:spPr>
         <p:txBody>
           <a:bodyPr/>
           <a:lstStyle/>
           <a:p>
             <a:r>
-              <a:rPr kumimoji="1" lang="en-US" altLang="ja-JP" dirty="0"/>
+              <a:rPr kumimoji="1" lang="en-US" altLang="ja-JP" dirty="0">
+                <a:latin typeface="Futura" panose="020B2102020204020303" pitchFamily="34" charset="0"/>
+              </a:rPr>
               <a:t>Program</a:t>
             </a:r>
             <a:r>
-              <a:rPr kumimoji="1" lang="ja-JP" altLang="en-US" dirty="0"/>
+              <a:rPr kumimoji="1" lang="ja-JP" altLang="en-US" dirty="0">
+                <a:latin typeface="Futura" panose="020B2102020204020303" pitchFamily="34" charset="0"/>
+              </a:rPr>
               <a:t> </a:t>
             </a:r>
             <a:r>
-              <a:rPr kumimoji="1" lang="en-US" altLang="ja-JP" dirty="0"/>
+              <a:rPr kumimoji="1" lang="en-US" altLang="ja-JP" dirty="0">
+                <a:latin typeface="Futura" panose="020B2102020204020303" pitchFamily="34" charset="0"/>
+              </a:rPr>
               <a:t>Language</a:t>
             </a:r>
             <a:r>
-              <a:rPr kumimoji="1" lang="ja-JP" altLang="en-US" dirty="0"/>
+              <a:rPr kumimoji="1" lang="ja-JP" altLang="en-US" dirty="0">
+                <a:latin typeface="Futura" panose="020B2102020204020303" pitchFamily="34" charset="0"/>
+              </a:rPr>
               <a:t> </a:t>
             </a:r>
             <a:r>
-              <a:rPr kumimoji="1" lang="en-US" altLang="ja-JP" dirty="0"/>
+              <a:rPr kumimoji="1" lang="en-US" altLang="ja-JP" dirty="0">
+                <a:latin typeface="Futura" panose="020B2102020204020303" pitchFamily="34" charset="0"/>
+              </a:rPr>
               <a:t>PHP</a:t>
             </a:r>
-            <a:endParaRPr lang="en-US" dirty="0"/>
+            <a:endParaRPr lang="en-US" dirty="0">
+              <a:latin typeface="Futura" panose="020B2102020204020303" pitchFamily="34" charset="0"/>
+            </a:endParaRPr>
           </a:p>
         </p:txBody>
       </p:sp>
@@ -3039,12 +3055,80 @@
             <p:ph type="subTitle" idx="1"/>
           </p:nvPr>
         </p:nvSpPr>
-        <p:spPr/>
+        <p:spPr>
+          <a:xfrm>
+            <a:off x="1143000" y="1991900"/>
+            <a:ext cx="6858000" cy="1655762"/>
+          </a:xfrm>
+        </p:spPr>
         <p:txBody>
           <a:bodyPr/>
           <a:lstStyle/>
           <a:p>
-            <a:endParaRPr lang="en-US"/>
+            <a:r>
+              <a:rPr lang="en-US" altLang="ja-JP" sz="3600" dirty="0">
+                <a:latin typeface="Futura" panose="020B2102020204020303" pitchFamily="34" charset="0"/>
+                <a:ea typeface="Tahoma" panose="020B0604030504040204" pitchFamily="34" charset="0"/>
+                <a:cs typeface="Tahoma" panose="020B0604030504040204" pitchFamily="34" charset="0"/>
+              </a:rPr>
+              <a:t>This subject is "form"</a:t>
+            </a:r>
+            <a:endParaRPr lang="en-US" altLang="ja-JP" sz="1700" dirty="0">
+              <a:latin typeface="Futura" panose="020B2102020204020303" pitchFamily="34" charset="0"/>
+              <a:ea typeface="Tahoma" panose="020B0604030504040204" pitchFamily="34" charset="0"/>
+              <a:cs typeface="Tahoma" panose="020B0604030504040204" pitchFamily="34" charset="0"/>
+            </a:endParaRPr>
+          </a:p>
+          <a:p>
+            <a:r>
+              <a:rPr lang="en-US" altLang="ja-JP" sz="1700" dirty="0">
+                <a:latin typeface="Futura" panose="020B2102020204020303" pitchFamily="34" charset="0"/>
+                <a:ea typeface="Tahoma" panose="020B0604030504040204" pitchFamily="34" charset="0"/>
+                <a:cs typeface="Tahoma" panose="020B0604030504040204" pitchFamily="34" charset="0"/>
+              </a:rPr>
+              <a:t>download document and program from follow URL.</a:t>
+            </a:r>
+          </a:p>
+          <a:p>
+            <a:pPr marL="457189" lvl="1"/>
+            <a:r>
+              <a:rPr lang="en-US" altLang="ja-JP" sz="3200" dirty="0">
+                <a:solidFill>
+                  <a:srgbClr val="FF0000"/>
+                </a:solidFill>
+                <a:latin typeface="Futura" panose="020B2102020204020303" pitchFamily="34" charset="0"/>
+                <a:ea typeface="Tahoma" panose="020B0604030504040204" pitchFamily="34" charset="0"/>
+                <a:cs typeface="Tahoma" panose="020B0604030504040204" pitchFamily="34" charset="0"/>
+              </a:rPr>
+              <a:t>https://goo.gl/U1z3sL</a:t>
+            </a:r>
+          </a:p>
+          <a:p>
+            <a:pPr marL="342891" indent="-342891">
+              <a:buFont typeface="+mj-lt"/>
+              <a:buAutoNum type="arabicPeriod"/>
+            </a:pPr>
+            <a:endParaRPr lang="en-US" altLang="ja-JP" sz="1700" dirty="0">
+              <a:latin typeface="Futura" panose="020B2102020204020303" pitchFamily="34" charset="0"/>
+              <a:ea typeface="Tahoma" panose="020B0604030504040204" pitchFamily="34" charset="0"/>
+              <a:cs typeface="Tahoma" panose="020B0604030504040204" pitchFamily="34" charset="0"/>
+            </a:endParaRPr>
+          </a:p>
+          <a:p>
+            <a:pPr marL="342891" indent="-342891">
+              <a:buFont typeface="+mj-lt"/>
+              <a:buAutoNum type="arabicPeriod"/>
+            </a:pPr>
+            <a:endParaRPr lang="en-US" altLang="ja-JP" sz="1700" dirty="0">
+              <a:latin typeface="Futura" panose="020B2102020204020303" pitchFamily="34" charset="0"/>
+              <a:ea typeface="Tahoma" panose="020B0604030504040204" pitchFamily="34" charset="0"/>
+              <a:cs typeface="Tahoma" panose="020B0604030504040204" pitchFamily="34" charset="0"/>
+            </a:endParaRPr>
+          </a:p>
+          <a:p>
+            <a:endParaRPr lang="en-US" dirty="0">
+              <a:latin typeface="Futura" panose="020B2102020204020303" pitchFamily="34" charset="0"/>
+            </a:endParaRPr>
           </a:p>
         </p:txBody>
       </p:sp>
@@ -3300,8 +3384,8 @@
           </a:p>
         </p:txBody>
       </p:sp>
-      <mc:AlternateContent xmlns:mc="http://schemas.openxmlformats.org/markup-compatibility/2006">
-        <mc:Choice xmlns:we="http://schemas.microsoft.com/office/webextensions/webextension/2010/11" xmlns:pca="http://schemas.microsoft.com/office/powerpoint/2013/contentapp" Requires="we pca">
+      <mc:AlternateContent xmlns:mc="http://schemas.openxmlformats.org/markup-compatibility/2006" xmlns:we="http://schemas.microsoft.com/office/webextensions/webextension/2010/11" xmlns:pca="http://schemas.microsoft.com/office/powerpoint/2013/contentapp">
+        <mc:Choice Requires="we pca">
           <p:graphicFrame>
             <p:nvGraphicFramePr>
               <p:cNvPr id="7" name="Add-in 6" title="Code Presenter Pro">
@@ -3333,7 +3417,7 @@
             </a:graphic>
           </p:graphicFrame>
         </mc:Choice>
-        <mc:Fallback>
+        <mc:Fallback xmlns="">
           <p:pic>
             <p:nvPicPr>
               <p:cNvPr id="7" name="Add-in 6" title="Code Presenter Pro">
@@ -3715,7 +3799,7 @@
                 <a:ea typeface="Tahoma" panose="020B0604030504040204" pitchFamily="34" charset="0"/>
                 <a:cs typeface="Tahoma" panose="020B0604030504040204" pitchFamily="34" charset="0"/>
               </a:rPr>
-              <a:t>add program and save file.</a:t>
+              <a:t>white this program and save file.</a:t>
             </a:r>
           </a:p>
           <a:p>
@@ -3942,162 +4026,8 @@
           </a:p>
         </p:txBody>
       </p:sp>
-      <p:sp>
-        <p:nvSpPr>
-          <p:cNvPr id="3" name="Content Placeholder 2">
-            <a:extLst>
-              <a:ext uri="{FF2B5EF4-FFF2-40B4-BE49-F238E27FC236}">
-                <a16:creationId xmlns:a16="http://schemas.microsoft.com/office/drawing/2014/main" id="{DDF43F30-1DCF-4886-AE1F-6373FF92B3E1}"/>
-              </a:ext>
-            </a:extLst>
-          </p:cNvPr>
-          <p:cNvSpPr>
-            <a:spLocks noGrp="1"/>
-          </p:cNvSpPr>
-          <p:nvPr>
-            <p:ph idx="1"/>
-          </p:nvPr>
-        </p:nvSpPr>
-        <p:spPr>
-          <a:xfrm>
-            <a:off x="1830352" y="6904642"/>
-            <a:ext cx="3926617" cy="3773010"/>
-          </a:xfrm>
-        </p:spPr>
-        <p:txBody>
-          <a:bodyPr>
-            <a:normAutofit/>
-          </a:bodyPr>
-          <a:lstStyle/>
-          <a:p>
-            <a:pPr marL="285744" indent="-285744"/>
-            <a:r>
-              <a:rPr lang="en-US" sz="1700" dirty="0">
-                <a:latin typeface="Tahoma" panose="020B0604030504040204" pitchFamily="34" charset="0"/>
-                <a:ea typeface="Tahoma" panose="020B0604030504040204" pitchFamily="34" charset="0"/>
-                <a:cs typeface="Tahoma" panose="020B0604030504040204" pitchFamily="34" charset="0"/>
-              </a:rPr>
-              <a:t>L1-6: HTML header</a:t>
-            </a:r>
-          </a:p>
-          <a:p>
-            <a:pPr marL="285744" indent="-285744"/>
-            <a:r>
-              <a:rPr lang="en-US" sz="1700" dirty="0">
-                <a:latin typeface="Tahoma" panose="020B0604030504040204" pitchFamily="34" charset="0"/>
-                <a:ea typeface="Tahoma" panose="020B0604030504040204" pitchFamily="34" charset="0"/>
-                <a:cs typeface="Tahoma" panose="020B0604030504040204" pitchFamily="34" charset="0"/>
-              </a:rPr>
-              <a:t>L8-10: PHP program code</a:t>
-            </a:r>
-          </a:p>
-          <a:p>
-            <a:pPr marL="457200" lvl="1" indent="0">
-              <a:buNone/>
-            </a:pPr>
-            <a:r>
-              <a:rPr lang="en-US" sz="1300" dirty="0">
-                <a:latin typeface="Tahoma" panose="020B0604030504040204" pitchFamily="34" charset="0"/>
-                <a:ea typeface="Tahoma" panose="020B0604030504040204" pitchFamily="34" charset="0"/>
-                <a:cs typeface="Tahoma" panose="020B0604030504040204" pitchFamily="34" charset="0"/>
-              </a:rPr>
-              <a:t>must write </a:t>
-            </a:r>
-            <a:r>
-              <a:rPr lang="en-US" sz="1300" dirty="0">
-                <a:solidFill>
-                  <a:srgbClr val="FF0000"/>
-                </a:solidFill>
-                <a:latin typeface="Tahoma" panose="020B0604030504040204" pitchFamily="34" charset="0"/>
-                <a:ea typeface="Tahoma" panose="020B0604030504040204" pitchFamily="34" charset="0"/>
-                <a:cs typeface="Tahoma" panose="020B0604030504040204" pitchFamily="34" charset="0"/>
-              </a:rPr>
-              <a:t>&lt;?</a:t>
-            </a:r>
-            <a:r>
-              <a:rPr lang="en-US" sz="1300" dirty="0" err="1">
-                <a:solidFill>
-                  <a:srgbClr val="FF0000"/>
-                </a:solidFill>
-                <a:latin typeface="Tahoma" panose="020B0604030504040204" pitchFamily="34" charset="0"/>
-                <a:ea typeface="Tahoma" panose="020B0604030504040204" pitchFamily="34" charset="0"/>
-                <a:cs typeface="Tahoma" panose="020B0604030504040204" pitchFamily="34" charset="0"/>
-              </a:rPr>
-              <a:t>php</a:t>
-            </a:r>
-            <a:r>
-              <a:rPr lang="en-US" sz="1300" dirty="0">
-                <a:solidFill>
-                  <a:srgbClr val="FF0000"/>
-                </a:solidFill>
-                <a:latin typeface="Tahoma" panose="020B0604030504040204" pitchFamily="34" charset="0"/>
-                <a:ea typeface="Tahoma" panose="020B0604030504040204" pitchFamily="34" charset="0"/>
-                <a:cs typeface="Tahoma" panose="020B0604030504040204" pitchFamily="34" charset="0"/>
-              </a:rPr>
-              <a:t> </a:t>
-            </a:r>
-            <a:r>
-              <a:rPr lang="en-US" sz="1300" dirty="0">
-                <a:latin typeface="Tahoma" panose="020B0604030504040204" pitchFamily="34" charset="0"/>
-                <a:ea typeface="Tahoma" panose="020B0604030504040204" pitchFamily="34" charset="0"/>
-                <a:cs typeface="Tahoma" panose="020B0604030504040204" pitchFamily="34" charset="0"/>
-              </a:rPr>
-              <a:t>and </a:t>
-            </a:r>
-            <a:r>
-              <a:rPr lang="en-US" sz="1300" dirty="0">
-                <a:solidFill>
-                  <a:srgbClr val="FF0000"/>
-                </a:solidFill>
-                <a:latin typeface="Tahoma" panose="020B0604030504040204" pitchFamily="34" charset="0"/>
-                <a:ea typeface="Tahoma" panose="020B0604030504040204" pitchFamily="34" charset="0"/>
-                <a:cs typeface="Tahoma" panose="020B0604030504040204" pitchFamily="34" charset="0"/>
-              </a:rPr>
-              <a:t>?&gt;</a:t>
-            </a:r>
-          </a:p>
-          <a:p>
-            <a:pPr marL="457200" lvl="1" indent="0">
-              <a:buNone/>
-            </a:pPr>
-            <a:r>
-              <a:rPr lang="en-US" sz="1300" dirty="0">
-                <a:latin typeface="Tahoma" panose="020B0604030504040204" pitchFamily="34" charset="0"/>
-                <a:ea typeface="Tahoma" panose="020B0604030504040204" pitchFamily="34" charset="0"/>
-                <a:cs typeface="Tahoma" panose="020B0604030504040204" pitchFamily="34" charset="0"/>
-              </a:rPr>
-              <a:t>command </a:t>
-            </a:r>
-            <a:r>
-              <a:rPr lang="en-US" sz="1300" dirty="0">
-                <a:solidFill>
-                  <a:srgbClr val="FF0000"/>
-                </a:solidFill>
-                <a:latin typeface="Tahoma" panose="020B0604030504040204" pitchFamily="34" charset="0"/>
-                <a:ea typeface="Tahoma" panose="020B0604030504040204" pitchFamily="34" charset="0"/>
-                <a:cs typeface="Tahoma" panose="020B0604030504040204" pitchFamily="34" charset="0"/>
-              </a:rPr>
-              <a:t>print </a:t>
-            </a:r>
-          </a:p>
-          <a:p>
-            <a:pPr marL="285744" indent="-285744"/>
-            <a:r>
-              <a:rPr lang="en-US" sz="1700" dirty="0">
-                <a:latin typeface="Tahoma" panose="020B0604030504040204" pitchFamily="34" charset="0"/>
-                <a:ea typeface="Tahoma" panose="020B0604030504040204" pitchFamily="34" charset="0"/>
-                <a:cs typeface="Tahoma" panose="020B0604030504040204" pitchFamily="34" charset="0"/>
-              </a:rPr>
-              <a:t>L12-13: HTML footer</a:t>
-            </a:r>
-          </a:p>
-          <a:p>
-            <a:endParaRPr lang="en-US" sz="1700" dirty="0"/>
-          </a:p>
-        </p:txBody>
-      </p:sp>
-      <mc:AlternateContent xmlns:mc="http://schemas.openxmlformats.org/markup-compatibility/2006">
-        <mc:Choice xmlns:we="http://schemas.microsoft.com/office/webextensions/webextension/2010/11" xmlns:pca="http://schemas.microsoft.com/office/powerpoint/2013/contentapp" Requires="we pca">
+      <mc:AlternateContent xmlns:mc="http://schemas.openxmlformats.org/markup-compatibility/2006" xmlns:we="http://schemas.microsoft.com/office/webextensions/webextension/2010/11" xmlns:pca="http://schemas.microsoft.com/office/powerpoint/2013/contentapp">
+        <mc:Choice Requires="we pca">
           <p:graphicFrame>
             <p:nvGraphicFramePr>
               <p:cNvPr id="7" name="Add-in 6" title="Code Presenter Pro">
@@ -4129,7 +4059,7 @@
             </a:graphic>
           </p:graphicFrame>
         </mc:Choice>
-        <mc:Fallback>
+        <mc:Fallback xmlns="">
           <p:pic>
             <p:nvPicPr>
               <p:cNvPr id="7" name="Add-in 6" title="Code Presenter Pro">
@@ -4162,92 +4092,6 @@
           </p:pic>
         </mc:Fallback>
       </mc:AlternateContent>
-      <p:sp>
-        <p:nvSpPr>
-          <p:cNvPr id="11" name="Rectangle 10">
-            <a:extLst>
-              <a:ext uri="{FF2B5EF4-FFF2-40B4-BE49-F238E27FC236}">
-                <a16:creationId xmlns:a16="http://schemas.microsoft.com/office/drawing/2014/main" id="{9A099E03-7F5D-40B5-AF83-8B36D2DA594B}"/>
-              </a:ext>
-            </a:extLst>
-          </p:cNvPr>
-          <p:cNvSpPr/>
-          <p:nvPr/>
-        </p:nvSpPr>
-        <p:spPr>
-          <a:xfrm>
-            <a:off x="1629861" y="4583315"/>
-            <a:ext cx="848309" cy="369332"/>
-          </a:xfrm>
-          <a:prstGeom prst="rect">
-            <a:avLst/>
-          </a:prstGeom>
-        </p:spPr>
-        <p:txBody>
-          <a:bodyPr wrap="none">
-            <a:spAutoFit/>
-          </a:bodyPr>
-          <a:lstStyle/>
-          <a:p>
-            <a:pPr algn="ctr"/>
-            <a:r>
-              <a:rPr lang="en-US" altLang="ja-JP" dirty="0">
-                <a:latin typeface="Tahoma" panose="020B0604030504040204" pitchFamily="34" charset="0"/>
-                <a:ea typeface="Tahoma" panose="020B0604030504040204" pitchFamily="34" charset="0"/>
-                <a:cs typeface="Tahoma" panose="020B0604030504040204" pitchFamily="34" charset="0"/>
-              </a:rPr>
-              <a:t>output</a:t>
-            </a:r>
-            <a:endParaRPr lang="ja-JP" altLang="en-US" dirty="0">
-              <a:latin typeface="Tahoma" panose="020B0604030504040204" pitchFamily="34" charset="0"/>
-              <a:cs typeface="Tahoma" panose="020B0604030504040204" pitchFamily="34" charset="0"/>
-            </a:endParaRPr>
-          </a:p>
-        </p:txBody>
-      </p:sp>
-      <p:sp>
-        <p:nvSpPr>
-          <p:cNvPr id="12" name="Rectangle 11">
-            <a:extLst>
-              <a:ext uri="{FF2B5EF4-FFF2-40B4-BE49-F238E27FC236}">
-                <a16:creationId xmlns:a16="http://schemas.microsoft.com/office/drawing/2014/main" id="{C77AA99F-01CF-4155-B9C5-78FDAE28F61E}"/>
-              </a:ext>
-            </a:extLst>
-          </p:cNvPr>
-          <p:cNvSpPr/>
-          <p:nvPr/>
-        </p:nvSpPr>
-        <p:spPr>
-          <a:xfrm>
-            <a:off x="2886458" y="6507385"/>
-            <a:ext cx="1356462" cy="369332"/>
-          </a:xfrm>
-          <a:prstGeom prst="rect">
-            <a:avLst/>
-          </a:prstGeom>
-        </p:spPr>
-        <p:txBody>
-          <a:bodyPr wrap="none">
-            <a:spAutoFit/>
-          </a:bodyPr>
-          <a:lstStyle/>
-          <a:p>
-            <a:pPr algn="ctr"/>
-            <a:r>
-              <a:rPr lang="en-US" altLang="ja-JP" dirty="0">
-                <a:latin typeface="Tahoma" panose="020B0604030504040204" pitchFamily="34" charset="0"/>
-                <a:ea typeface="Tahoma" panose="020B0604030504040204" pitchFamily="34" charset="0"/>
-                <a:cs typeface="Tahoma" panose="020B0604030504040204" pitchFamily="34" charset="0"/>
-              </a:rPr>
-              <a:t>explanation</a:t>
-            </a:r>
-            <a:endParaRPr lang="ja-JP" altLang="en-US" dirty="0">
-              <a:latin typeface="Tahoma" panose="020B0604030504040204" pitchFamily="34" charset="0"/>
-              <a:cs typeface="Tahoma" panose="020B0604030504040204" pitchFamily="34" charset="0"/>
-            </a:endParaRPr>
-          </a:p>
-        </p:txBody>
-      </p:sp>
       <p:pic>
         <p:nvPicPr>
           <p:cNvPr id="13" name="Graphic 12">
@@ -4503,7 +4347,7 @@
                 <a:ea typeface="Tahoma" panose="020B0604030504040204" pitchFamily="34" charset="0"/>
                 <a:cs typeface="Tahoma" panose="020B0604030504040204" pitchFamily="34" charset="0"/>
               </a:rPr>
-              <a:t>add program and save file.</a:t>
+              <a:t>write this program and save file.</a:t>
             </a:r>
           </a:p>
           <a:p>
@@ -4565,8 +4409,8 @@
         </p:nvSpPr>
         <p:spPr>
           <a:xfrm>
-            <a:off x="3319422" y="17736"/>
-            <a:ext cx="5695150" cy="307777"/>
+            <a:off x="2907451" y="17736"/>
+            <a:ext cx="6107121" cy="307777"/>
           </a:xfrm>
           <a:prstGeom prst="rect">
             <a:avLst/>
@@ -4593,7 +4437,7 @@
                 <a:ea typeface="Tahoma" panose="020B0604030504040204" pitchFamily="34" charset="0"/>
                 <a:cs typeface="Tahoma" panose="020B0604030504040204" pitchFamily="34" charset="0"/>
               </a:rPr>
-              <a:t>2. folder: C:\appserv\php_lesson\   file name: lesson02_receive.php</a:t>
+              <a:t>2. folder: C:\appserv\wwwphp_lesson\   file name: lesson02_receive.php</a:t>
             </a:r>
             <a:endParaRPr lang="ja-JP" altLang="en-US" sz="1400" dirty="0">
               <a:latin typeface="Tahoma" panose="020B0604030504040204" pitchFamily="34" charset="0"/>
@@ -4641,363 +4485,12 @@
           </a:p>
         </p:txBody>
       </p:sp>
-    </p:spTree>
-    <p:extLst>
-      <p:ext uri="{BB962C8B-B14F-4D97-AF65-F5344CB8AC3E}">
-        <p14:creationId xmlns:p14="http://schemas.microsoft.com/office/powerpoint/2010/main" val="384092229"/>
-      </p:ext>
-    </p:extLst>
-  </p:cSld>
-  <p:clrMapOvr>
-    <a:masterClrMapping/>
-  </p:clrMapOvr>
-</p:sld>
-</file>
-
-<file path=ppt/slides/slide4.xml><?xml version="1.0" encoding="utf-8"?>
-<p:sld xmlns:a="http://schemas.openxmlformats.org/drawingml/2006/main" xmlns:r="http://schemas.openxmlformats.org/officeDocument/2006/relationships" xmlns:p="http://schemas.openxmlformats.org/presentationml/2006/main">
-  <p:cSld>
-    <p:spTree>
-      <p:nvGrpSpPr>
-        <p:cNvPr id="1" name=""/>
-        <p:cNvGrpSpPr/>
-        <p:nvPr/>
-      </p:nvGrpSpPr>
-      <p:grpSpPr>
-        <a:xfrm>
-          <a:off x="0" y="0"/>
-          <a:ext cx="0" cy="0"/>
-          <a:chOff x="0" y="0"/>
-          <a:chExt cx="0" cy="0"/>
-        </a:xfrm>
-      </p:grpSpPr>
-      <p:pic>
-        <p:nvPicPr>
-          <p:cNvPr id="13" name="Graphic 12">
+      <p:sp>
+        <p:nvSpPr>
+          <p:cNvPr id="17" name="Content Placeholder 2">
             <a:extLst>
               <a:ext uri="{FF2B5EF4-FFF2-40B4-BE49-F238E27FC236}">
-                <a16:creationId xmlns:a16="http://schemas.microsoft.com/office/drawing/2014/main" id="{C0A1D308-1A10-46EC-BC7B-E1F8BE698AEE}"/>
-              </a:ext>
-            </a:extLst>
-          </p:cNvPr>
-          <p:cNvPicPr>
-            <a:picLocks noChangeAspect="1"/>
-          </p:cNvPicPr>
-          <p:nvPr/>
-        </p:nvPicPr>
-        <p:blipFill>
-          <a:blip r:embed="rId2" cstate="email">
-            <a:extLst>
-              <a:ext uri="{28A0092B-C50C-407E-A947-70E740481C1C}">
-                <a14:useLocalDpi xmlns:a14="http://schemas.microsoft.com/office/drawing/2010/main"/>
-              </a:ext>
-              <a:ext uri="{96DAC541-7B7A-43D3-8B79-37D633B846F1}">
-                <asvg:svgBlip xmlns:asvg="http://schemas.microsoft.com/office/drawing/2016/SVG/main" r:embed="rId3"/>
-              </a:ext>
-            </a:extLst>
-          </a:blip>
-          <a:stretch>
-            <a:fillRect/>
-          </a:stretch>
-        </p:blipFill>
-        <p:spPr>
-          <a:xfrm>
-            <a:off x="100076" y="6369742"/>
-            <a:ext cx="683948" cy="369332"/>
-          </a:xfrm>
-          <a:prstGeom prst="rect">
-            <a:avLst/>
-          </a:prstGeom>
-        </p:spPr>
-      </p:pic>
-      <p:sp>
-        <p:nvSpPr>
-          <p:cNvPr id="2" name="Title 1">
-            <a:extLst>
-              <a:ext uri="{FF2B5EF4-FFF2-40B4-BE49-F238E27FC236}">
-                <a16:creationId xmlns:a16="http://schemas.microsoft.com/office/drawing/2014/main" id="{E44D6F80-BF44-4B52-9DF2-B11355DE48D4}"/>
-              </a:ext>
-            </a:extLst>
-          </p:cNvPr>
-          <p:cNvSpPr>
-            <a:spLocks noGrp="1"/>
-          </p:cNvSpPr>
-          <p:nvPr>
-            <p:ph type="title"/>
-          </p:nvPr>
-        </p:nvSpPr>
-        <p:spPr>
-          <a:xfrm>
-            <a:off x="251967" y="13232"/>
-            <a:ext cx="3479292" cy="787957"/>
-          </a:xfrm>
-        </p:spPr>
-        <p:txBody>
-          <a:bodyPr>
-            <a:normAutofit/>
-          </a:bodyPr>
-          <a:lstStyle/>
-          <a:p>
-            <a:pPr algn="ctr"/>
-            <a:r>
-              <a:rPr lang="en-US" sz="3500" dirty="0"/>
-              <a:t>lesson01_4</a:t>
-            </a:r>
-          </a:p>
-        </p:txBody>
-      </p:sp>
-      <p:sp>
-        <p:nvSpPr>
-          <p:cNvPr id="3" name="Content Placeholder 2">
-            <a:extLst>
-              <a:ext uri="{FF2B5EF4-FFF2-40B4-BE49-F238E27FC236}">
-                <a16:creationId xmlns:a16="http://schemas.microsoft.com/office/drawing/2014/main" id="{DDF43F30-1DCF-4886-AE1F-6373FF92B3E1}"/>
-              </a:ext>
-            </a:extLst>
-          </p:cNvPr>
-          <p:cNvSpPr>
-            <a:spLocks noGrp="1"/>
-          </p:cNvSpPr>
-          <p:nvPr>
-            <p:ph idx="1"/>
-          </p:nvPr>
-        </p:nvSpPr>
-        <p:spPr>
-          <a:xfrm>
-            <a:off x="598356" y="4690788"/>
-            <a:ext cx="3926617" cy="3773010"/>
-          </a:xfrm>
-        </p:spPr>
-        <p:txBody>
-          <a:bodyPr>
-            <a:normAutofit/>
-          </a:bodyPr>
-          <a:lstStyle/>
-          <a:p>
-            <a:pPr marL="285744" indent="-285744"/>
-            <a:r>
-              <a:rPr lang="en-US" sz="1700" dirty="0">
-                <a:latin typeface="Tahoma" panose="020B0604030504040204" pitchFamily="34" charset="0"/>
-                <a:ea typeface="Tahoma" panose="020B0604030504040204" pitchFamily="34" charset="0"/>
-                <a:cs typeface="Tahoma" panose="020B0604030504040204" pitchFamily="34" charset="0"/>
-              </a:rPr>
-              <a:t>L1-6: HTML header</a:t>
-            </a:r>
-          </a:p>
-          <a:p>
-            <a:pPr marL="285744" indent="-285744"/>
-            <a:r>
-              <a:rPr lang="en-US" sz="1700" dirty="0">
-                <a:latin typeface="Tahoma" panose="020B0604030504040204" pitchFamily="34" charset="0"/>
-                <a:ea typeface="Tahoma" panose="020B0604030504040204" pitchFamily="34" charset="0"/>
-                <a:cs typeface="Tahoma" panose="020B0604030504040204" pitchFamily="34" charset="0"/>
-              </a:rPr>
-              <a:t>L8-10: PHP program code</a:t>
-            </a:r>
-          </a:p>
-          <a:p>
-            <a:pPr marL="457200" lvl="1" indent="0">
-              <a:buNone/>
-            </a:pPr>
-            <a:r>
-              <a:rPr lang="en-US" sz="1300" dirty="0">
-                <a:latin typeface="Tahoma" panose="020B0604030504040204" pitchFamily="34" charset="0"/>
-                <a:ea typeface="Tahoma" panose="020B0604030504040204" pitchFamily="34" charset="0"/>
-                <a:cs typeface="Tahoma" panose="020B0604030504040204" pitchFamily="34" charset="0"/>
-              </a:rPr>
-              <a:t>L9: command rand</a:t>
-            </a:r>
-          </a:p>
-          <a:p>
-            <a:pPr marL="457200" lvl="1" indent="0">
-              <a:buNone/>
-            </a:pPr>
-            <a:r>
-              <a:rPr lang="en-US" sz="1300" dirty="0">
-                <a:latin typeface="Tahoma" panose="020B0604030504040204" pitchFamily="34" charset="0"/>
-                <a:ea typeface="Tahoma" panose="020B0604030504040204" pitchFamily="34" charset="0"/>
-                <a:cs typeface="Tahoma" panose="020B0604030504040204" pitchFamily="34" charset="0"/>
-              </a:rPr>
-              <a:t>L11: command if</a:t>
-            </a:r>
-          </a:p>
-          <a:p>
-            <a:pPr marL="457200" lvl="1" indent="0">
-              <a:buNone/>
-            </a:pPr>
-            <a:r>
-              <a:rPr lang="en-US" sz="1300" dirty="0">
-                <a:latin typeface="Tahoma" panose="020B0604030504040204" pitchFamily="34" charset="0"/>
-                <a:ea typeface="Tahoma" panose="020B0604030504040204" pitchFamily="34" charset="0"/>
-                <a:cs typeface="Tahoma" panose="020B0604030504040204" pitchFamily="34" charset="0"/>
-              </a:rPr>
-              <a:t>L13: command else if</a:t>
-            </a:r>
-          </a:p>
-          <a:p>
-            <a:pPr marL="457200" lvl="1" indent="0">
-              <a:buNone/>
-            </a:pPr>
-            <a:r>
-              <a:rPr lang="en-US" sz="1300" dirty="0">
-                <a:latin typeface="Tahoma" panose="020B0604030504040204" pitchFamily="34" charset="0"/>
-                <a:ea typeface="Tahoma" panose="020B0604030504040204" pitchFamily="34" charset="0"/>
-                <a:cs typeface="Tahoma" panose="020B0604030504040204" pitchFamily="34" charset="0"/>
-              </a:rPr>
-              <a:t>L15: command else</a:t>
-            </a:r>
-          </a:p>
-          <a:p>
-            <a:pPr marL="285744" indent="-285744"/>
-            <a:r>
-              <a:rPr lang="en-US" sz="1700" dirty="0">
-                <a:latin typeface="Tahoma" panose="020B0604030504040204" pitchFamily="34" charset="0"/>
-                <a:ea typeface="Tahoma" panose="020B0604030504040204" pitchFamily="34" charset="0"/>
-                <a:cs typeface="Tahoma" panose="020B0604030504040204" pitchFamily="34" charset="0"/>
-              </a:rPr>
-              <a:t>L23-24: HTML footer</a:t>
-            </a:r>
-          </a:p>
-        </p:txBody>
-      </p:sp>
-      <p:sp>
-        <p:nvSpPr>
-          <p:cNvPr id="6" name="Rectangle 5">
-            <a:extLst>
-              <a:ext uri="{FF2B5EF4-FFF2-40B4-BE49-F238E27FC236}">
-                <a16:creationId xmlns:a16="http://schemas.microsoft.com/office/drawing/2014/main" id="{56CF89B6-45BF-4C70-B4FA-B3D5F715A11A}"/>
-              </a:ext>
-            </a:extLst>
-          </p:cNvPr>
-          <p:cNvSpPr/>
-          <p:nvPr/>
-        </p:nvSpPr>
-        <p:spPr>
-          <a:xfrm>
-            <a:off x="3251582" y="0"/>
-            <a:ext cx="5819285" cy="307777"/>
-          </a:xfrm>
-          <a:prstGeom prst="rect">
-            <a:avLst/>
-          </a:prstGeom>
-          <a:solidFill>
-            <a:schemeClr val="bg1"/>
-          </a:solidFill>
-          <a:ln>
-            <a:solidFill>
-              <a:schemeClr val="accent1"/>
-            </a:solidFill>
-          </a:ln>
-        </p:spPr>
-        <p:txBody>
-          <a:bodyPr wrap="none">
-            <a:spAutoFit/>
-          </a:bodyPr>
-          <a:lstStyle/>
-          <a:p>
-            <a:r>
-              <a:rPr lang="en-US" altLang="ja-JP" sz="1400" dirty="0">
-                <a:latin typeface="Tahoma" panose="020B0604030504040204" pitchFamily="34" charset="0"/>
-                <a:ea typeface="Tahoma" panose="020B0604030504040204" pitchFamily="34" charset="0"/>
-                <a:cs typeface="Tahoma" panose="020B0604030504040204" pitchFamily="34" charset="0"/>
-              </a:rPr>
-              <a:t>3. folder: C:\appserv\www\php_lesson\    file name: lesson01_4.php</a:t>
-            </a:r>
-            <a:endParaRPr lang="ja-JP" altLang="en-US" sz="1400" dirty="0">
-              <a:latin typeface="Tahoma" panose="020B0604030504040204" pitchFamily="34" charset="0"/>
-              <a:cs typeface="Tahoma" panose="020B0604030504040204" pitchFamily="34" charset="0"/>
-            </a:endParaRPr>
-          </a:p>
-        </p:txBody>
-      </p:sp>
-      <p:sp>
-        <p:nvSpPr>
-          <p:cNvPr id="11" name="Rectangle 10">
-            <a:extLst>
-              <a:ext uri="{FF2B5EF4-FFF2-40B4-BE49-F238E27FC236}">
-                <a16:creationId xmlns:a16="http://schemas.microsoft.com/office/drawing/2014/main" id="{9A099E03-7F5D-40B5-AF83-8B36D2DA594B}"/>
-              </a:ext>
-            </a:extLst>
-          </p:cNvPr>
-          <p:cNvSpPr/>
-          <p:nvPr/>
-        </p:nvSpPr>
-        <p:spPr>
-          <a:xfrm>
-            <a:off x="82551" y="2339325"/>
-            <a:ext cx="4463081" cy="338554"/>
-          </a:xfrm>
-          <a:prstGeom prst="rect">
-            <a:avLst/>
-          </a:prstGeom>
-        </p:spPr>
-        <p:txBody>
-          <a:bodyPr wrap="none">
-            <a:spAutoFit/>
-          </a:bodyPr>
-          <a:lstStyle/>
-          <a:p>
-            <a:pPr algn="ctr"/>
-            <a:r>
-              <a:rPr lang="en-US" altLang="ja-JP" sz="1600" dirty="0">
-                <a:latin typeface="Tahoma" panose="020B0604030504040204" pitchFamily="34" charset="0"/>
-                <a:ea typeface="Tahoma" panose="020B0604030504040204" pitchFamily="34" charset="0"/>
-                <a:cs typeface="Tahoma" panose="020B0604030504040204" pitchFamily="34" charset="0"/>
-              </a:rPr>
-              <a:t>3.http://localhost/php_lesson/ lesson01_4.php </a:t>
-            </a:r>
-          </a:p>
-        </p:txBody>
-      </p:sp>
-      <p:sp>
-        <p:nvSpPr>
-          <p:cNvPr id="12" name="Rectangle 11">
-            <a:extLst>
-              <a:ext uri="{FF2B5EF4-FFF2-40B4-BE49-F238E27FC236}">
-                <a16:creationId xmlns:a16="http://schemas.microsoft.com/office/drawing/2014/main" id="{C77AA99F-01CF-4155-B9C5-78FDAE28F61E}"/>
-              </a:ext>
-            </a:extLst>
-          </p:cNvPr>
-          <p:cNvSpPr/>
-          <p:nvPr/>
-        </p:nvSpPr>
-        <p:spPr>
-          <a:xfrm>
-            <a:off x="1375784" y="4293531"/>
-            <a:ext cx="1356462" cy="369332"/>
-          </a:xfrm>
-          <a:prstGeom prst="rect">
-            <a:avLst/>
-          </a:prstGeom>
-        </p:spPr>
-        <p:txBody>
-          <a:bodyPr wrap="none">
-            <a:spAutoFit/>
-          </a:bodyPr>
-          <a:lstStyle/>
-          <a:p>
-            <a:pPr algn="ctr"/>
-            <a:r>
-              <a:rPr lang="en-US" altLang="ja-JP" dirty="0">
-                <a:latin typeface="Tahoma" panose="020B0604030504040204" pitchFamily="34" charset="0"/>
-                <a:ea typeface="Tahoma" panose="020B0604030504040204" pitchFamily="34" charset="0"/>
-                <a:cs typeface="Tahoma" panose="020B0604030504040204" pitchFamily="34" charset="0"/>
-              </a:rPr>
-              <a:t>explanation</a:t>
-            </a:r>
-            <a:endParaRPr lang="ja-JP" altLang="en-US" dirty="0">
-              <a:latin typeface="Tahoma" panose="020B0604030504040204" pitchFamily="34" charset="0"/>
-              <a:cs typeface="Tahoma" panose="020B0604030504040204" pitchFamily="34" charset="0"/>
-            </a:endParaRPr>
-          </a:p>
-        </p:txBody>
-      </p:sp>
-      <p:sp>
-        <p:nvSpPr>
-          <p:cNvPr id="14" name="Content Placeholder 2">
-            <a:extLst>
-              <a:ext uri="{FF2B5EF4-FFF2-40B4-BE49-F238E27FC236}">
-                <a16:creationId xmlns:a16="http://schemas.microsoft.com/office/drawing/2014/main" id="{F0528EC4-574A-49AF-BF35-6486232B5792}"/>
+                <a16:creationId xmlns:a16="http://schemas.microsoft.com/office/drawing/2014/main" id="{90A9CE4A-BC66-40F6-8818-C1FF25815D57}"/>
               </a:ext>
             </a:extLst>
           </p:cNvPr>
@@ -5008,8 +4501,8 @@
         </p:nvSpPr>
         <p:spPr>
           <a:xfrm>
-            <a:off x="314369" y="944302"/>
-            <a:ext cx="3479292" cy="3785419"/>
+            <a:off x="596012" y="3979382"/>
+            <a:ext cx="3926617" cy="3773010"/>
           </a:xfrm>
           <a:prstGeom prst="rect">
             <a:avLst/>
@@ -5184,171 +4677,113 @@
             </a:lvl9pPr>
           </a:lstStyle>
           <a:p>
-            <a:pPr marL="342891" indent="-342891">
-              <a:buFont typeface="+mj-lt"/>
-              <a:buAutoNum type="arabicPeriod"/>
-            </a:pPr>
-            <a:r>
-              <a:rPr lang="en-US" altLang="ja-JP" sz="1700" dirty="0">
+            <a:pPr marL="285744" indent="-285744"/>
+            <a:r>
+              <a:rPr lang="en-US" sz="1700" dirty="0">
                 <a:latin typeface="Tahoma" panose="020B0604030504040204" pitchFamily="34" charset="0"/>
                 <a:ea typeface="Tahoma" panose="020B0604030504040204" pitchFamily="34" charset="0"/>
                 <a:cs typeface="Tahoma" panose="020B0604030504040204" pitchFamily="34" charset="0"/>
               </a:rPr>
-              <a:t>download "</a:t>
-            </a:r>
-            <a:r>
-              <a:rPr lang="en-US" altLang="ja-JP" sz="1800" dirty="0">
+              <a:t>L1-6: HTML header</a:t>
+            </a:r>
+          </a:p>
+          <a:p>
+            <a:pPr marL="285744" indent="-285744"/>
+            <a:r>
+              <a:rPr lang="en-US" sz="1700" dirty="0">
                 <a:latin typeface="Tahoma" panose="020B0604030504040204" pitchFamily="34" charset="0"/>
                 <a:ea typeface="Tahoma" panose="020B0604030504040204" pitchFamily="34" charset="0"/>
                 <a:cs typeface="Tahoma" panose="020B0604030504040204" pitchFamily="34" charset="0"/>
               </a:rPr>
-              <a:t>lesson01_4</a:t>
-            </a:r>
-            <a:r>
-              <a:rPr lang="en-US" altLang="ja-JP" sz="1700" dirty="0">
+              <a:t>L8-10: PHP program code</a:t>
+            </a:r>
+          </a:p>
+          <a:p>
+            <a:pPr marL="457200" lvl="1" indent="0">
+              <a:buNone/>
+            </a:pPr>
+            <a:r>
+              <a:rPr lang="en-US" sz="1300" dirty="0">
                 <a:latin typeface="Tahoma" panose="020B0604030504040204" pitchFamily="34" charset="0"/>
                 <a:ea typeface="Tahoma" panose="020B0604030504040204" pitchFamily="34" charset="0"/>
                 <a:cs typeface="Tahoma" panose="020B0604030504040204" pitchFamily="34" charset="0"/>
               </a:rPr>
-              <a:t>.php"</a:t>
-            </a:r>
-          </a:p>
-          <a:p>
-            <a:pPr marL="342891" indent="-342891">
-              <a:buFont typeface="+mj-lt"/>
-              <a:buAutoNum type="arabicPeriod"/>
+              <a:t>L9,10: use $_POST and receive form data.</a:t>
+            </a:r>
+          </a:p>
+          <a:p>
+            <a:pPr marL="457200" lvl="1" indent="0">
+              <a:buNone/>
             </a:pPr>
             <a:r>
-              <a:rPr lang="en-US" altLang="ja-JP" sz="1700" dirty="0">
+              <a:rPr lang="en-US" sz="1300" dirty="0">
                 <a:latin typeface="Tahoma" panose="020B0604030504040204" pitchFamily="34" charset="0"/>
                 <a:ea typeface="Tahoma" panose="020B0604030504040204" pitchFamily="34" charset="0"/>
                 <a:cs typeface="Tahoma" panose="020B0604030504040204" pitchFamily="34" charset="0"/>
               </a:rPr>
-              <a:t>add program and save file.</a:t>
-            </a:r>
-          </a:p>
-          <a:p>
-            <a:pPr marL="342891" indent="-342891">
-              <a:buFont typeface="+mj-lt"/>
-              <a:buAutoNum type="arabicPeriod"/>
-            </a:pPr>
-            <a:r>
-              <a:rPr lang="en-US" altLang="ja-JP" sz="1700" dirty="0">
+              <a:t>L11-15: check login id and password. </a:t>
+            </a:r>
+          </a:p>
+          <a:p>
+            <a:pPr marL="285744" indent="-285744"/>
+            <a:r>
+              <a:rPr lang="en-US" sz="1700" dirty="0">
                 <a:latin typeface="Tahoma" panose="020B0604030504040204" pitchFamily="34" charset="0"/>
                 <a:ea typeface="Tahoma" panose="020B0604030504040204" pitchFamily="34" charset="0"/>
                 <a:cs typeface="Tahoma" panose="020B0604030504040204" pitchFamily="34" charset="0"/>
               </a:rPr>
-              <a:t>show browser</a:t>
-            </a:r>
-          </a:p>
-        </p:txBody>
-      </p:sp>
-      <mc:AlternateContent xmlns:mc="http://schemas.openxmlformats.org/markup-compatibility/2006">
-        <mc:Choice xmlns:we="http://schemas.microsoft.com/office/webextensions/webextension/2010/11" xmlns:pca="http://schemas.microsoft.com/office/powerpoint/2013/contentapp" Requires="we pca">
-          <p:graphicFrame>
-            <p:nvGraphicFramePr>
-              <p:cNvPr id="17" name="Add-in 16" title="Code Presenter Pro">
-                <a:extLst>
-                  <a:ext uri="{FF2B5EF4-FFF2-40B4-BE49-F238E27FC236}">
-                    <a16:creationId xmlns:a16="http://schemas.microsoft.com/office/drawing/2014/main" id="{D1000F09-2D62-4652-B5C8-A8487ED48DAE}"/>
-                  </a:ext>
-                </a:extLst>
-              </p:cNvPr>
-              <p:cNvGraphicFramePr>
-                <a:graphicFrameLocks noGrp="1"/>
-              </p:cNvGraphicFramePr>
-              <p:nvPr>
-                <p:extLst/>
-              </p:nvPr>
-            </p:nvGraphicFramePr>
-            <p:xfrm>
-              <a:off x="4679385" y="394462"/>
-              <a:ext cx="4144937" cy="5715000"/>
-            </p:xfrm>
-            <a:graphic>
-              <a:graphicData uri="http://schemas.microsoft.com/office/webextensions/webextension/2010/11">
-                <we:webextensionref xmlns:we="http://schemas.microsoft.com/office/webextensions/webextension/2010/11" xmlns:r="http://schemas.openxmlformats.org/officeDocument/2006/relationships" r:id="rId4"/>
-              </a:graphicData>
-            </a:graphic>
-          </p:graphicFrame>
-        </mc:Choice>
-        <mc:Fallback>
-          <p:pic>
-            <p:nvPicPr>
-              <p:cNvPr id="17" name="Add-in 16" title="Code Presenter Pro">
-                <a:extLst>
-                  <a:ext uri="{FF2B5EF4-FFF2-40B4-BE49-F238E27FC236}">
-                    <a16:creationId xmlns:a16="http://schemas.microsoft.com/office/drawing/2014/main" id="{D1000F09-2D62-4652-B5C8-A8487ED48DAE}"/>
-                  </a:ext>
-                </a:extLst>
-              </p:cNvPr>
-              <p:cNvPicPr>
-                <a:picLocks noGrp="1" noRot="1" noChangeAspect="1" noMove="1" noResize="1" noEditPoints="1" noAdjustHandles="1" noChangeArrowheads="1" noChangeShapeType="1"/>
-              </p:cNvPicPr>
-              <p:nvPr/>
-            </p:nvPicPr>
-            <p:blipFill>
-              <a:blip r:embed="rId5"/>
-              <a:stretch>
-                <a:fillRect/>
-              </a:stretch>
-            </p:blipFill>
-            <p:spPr>
-              <a:xfrm>
-                <a:off x="4679385" y="394462"/>
-                <a:ext cx="4144937" cy="5715000"/>
-              </a:xfrm>
-              <a:prstGeom prst="rect">
-                <a:avLst/>
-              </a:prstGeom>
-            </p:spPr>
-          </p:pic>
-        </mc:Fallback>
-      </mc:AlternateContent>
-      <p:pic>
-        <p:nvPicPr>
-          <p:cNvPr id="18" name="Picture 17">
+              <a:t>L23-24: HTML footer</a:t>
+            </a:r>
+          </a:p>
+        </p:txBody>
+      </p:sp>
+      <p:sp>
+        <p:nvSpPr>
+          <p:cNvPr id="18" name="Rectangle 17">
             <a:extLst>
               <a:ext uri="{FF2B5EF4-FFF2-40B4-BE49-F238E27FC236}">
-                <a16:creationId xmlns:a16="http://schemas.microsoft.com/office/drawing/2014/main" id="{908AA42F-D1D9-44E5-B366-2DBFCD28DF0D}"/>
+                <a16:creationId xmlns:a16="http://schemas.microsoft.com/office/drawing/2014/main" id="{304E2D78-5B04-4123-A66F-7790B48DC4ED}"/>
               </a:ext>
             </a:extLst>
           </p:cNvPr>
-          <p:cNvPicPr>
-            <a:picLocks noChangeAspect="1"/>
-          </p:cNvPicPr>
+          <p:cNvSpPr/>
           <p:nvPr/>
-        </p:nvPicPr>
-        <p:blipFill rotWithShape="1">
-          <a:blip r:embed="rId6" cstate="email">
-            <a:extLst>
-              <a:ext uri="{28A0092B-C50C-407E-A947-70E740481C1C}">
-                <a14:useLocalDpi xmlns:a14="http://schemas.microsoft.com/office/drawing/2010/main"/>
-              </a:ext>
-            </a:extLst>
-          </a:blip>
-          <a:srcRect/>
-          <a:stretch/>
-        </p:blipFill>
+        </p:nvSpPr>
         <p:spPr>
           <a:xfrm>
-            <a:off x="0" y="2694843"/>
-            <a:ext cx="4458789" cy="910507"/>
+            <a:off x="1652118" y="3582125"/>
+            <a:ext cx="1356462" cy="369332"/>
           </a:xfrm>
           <a:prstGeom prst="rect">
             <a:avLst/>
           </a:prstGeom>
-          <a:ln>
-            <a:solidFill>
-              <a:schemeClr val="accent1"/>
-            </a:solidFill>
-          </a:ln>
         </p:spPr>
-      </p:pic>
+        <p:txBody>
+          <a:bodyPr wrap="none">
+            <a:spAutoFit/>
+          </a:bodyPr>
+          <a:lstStyle/>
+          <a:p>
+            <a:pPr algn="ctr"/>
+            <a:r>
+              <a:rPr lang="en-US" altLang="ja-JP" dirty="0">
+                <a:latin typeface="Tahoma" panose="020B0604030504040204" pitchFamily="34" charset="0"/>
+                <a:ea typeface="Tahoma" panose="020B0604030504040204" pitchFamily="34" charset="0"/>
+                <a:cs typeface="Tahoma" panose="020B0604030504040204" pitchFamily="34" charset="0"/>
+              </a:rPr>
+              <a:t>explanation</a:t>
+            </a:r>
+            <a:endParaRPr lang="ja-JP" altLang="en-US" dirty="0">
+              <a:latin typeface="Tahoma" panose="020B0604030504040204" pitchFamily="34" charset="0"/>
+              <a:cs typeface="Tahoma" panose="020B0604030504040204" pitchFamily="34" charset="0"/>
+            </a:endParaRPr>
+          </a:p>
+        </p:txBody>
+      </p:sp>
     </p:spTree>
     <p:extLst>
       <p:ext uri="{BB962C8B-B14F-4D97-AF65-F5344CB8AC3E}">
-        <p14:creationId xmlns:p14="http://schemas.microsoft.com/office/powerpoint/2010/main" val="2292823950"/>
+        <p14:creationId xmlns:p14="http://schemas.microsoft.com/office/powerpoint/2010/main" val="384092229"/>
       </p:ext>
     </p:extLst>
   </p:cSld>
@@ -5645,18 +5080,4 @@
   <we:bindings/>
   <we:snapshot xmlns:r="http://schemas.openxmlformats.org/officeDocument/2006/relationships" r:embed="rId1"/>
 </we:webextension>
-</file>
-
-<file path=ppt/webextensions/webextension3.xml><?xml version="1.0" encoding="utf-8"?>
-<we:webextension xmlns:we="http://schemas.microsoft.com/office/webextensions/webextension/2010/11" id="{BD014209-F109-4FBE-A33C-3F7F3A890419}" frozen="1">
-  <we:reference id="wa104379263" version="1.0.0.1" store="en-US" storeType="OMEX"/>
-  <we:alternateReferences>
-    <we:reference id="wa104379263" version="1.0.0.1" store="wa104379263" storeType="OMEX"/>
-  </we:alternateReferences>
-  <we:properties>
-    <we:property name="config" value="{&quot;display_lang&quot;:&quot;en&quot;,&quot;display_font&quot;:&quot;Consolas&quot;,&quot;syntax_color&quot;:{&quot;Reserved words&quot;:&quot;#0000ff&quot;,&quot;PHP core functions&quot;:&quot;#ff0000&quot;,&quot;PREFIX3&quot;:&quot;#008080&quot;,&quot;Namespaces&quot;:&quot;#808000&quot;,&quot;Line comment&quot;:&quot;#008000&quot;,&quot;Line comment 2&quot;:&quot;#008000&quot;,&quot;Block comment&quot;:&quot;#008000&quot;,&quot;Quotation&quot;:&quot;#FF00FF&quot;,&quot;Quotation 2&quot;:&quot;#FF00FF&quot;,&quot;Number&quot;:&quot;#800080&quot;},&quot;old_syntax_color&quot;:{&quot;Reserved words&quot;:&quot;#0000FF&quot;,&quot;PHP core functions&quot;:&quot;#FF0000&quot;,&quot;PREFIX3&quot;:&quot;#008080&quot;,&quot;Namespaces&quot;:&quot;#808000&quot;,&quot;Line comment&quot;:&quot;#008000&quot;,&quot;Line comment 2&quot;:&quot;#008000&quot;,&quot;Block comment&quot;:&quot;#008000&quot;,&quot;Quotation&quot;:&quot;#FF00FF&quot;,&quot;Quotation 2&quot;:&quot;#FF00FF&quot;,&quot;Number&quot;:&quot;#800080&quot;},&quot;show_line_number&quot;:true,&quot;code_lang&quot;:&quot;php&quot;,&quot;code&quot;:&quot;&lt;!doctype html&gt;\n&lt;html&gt;\n&lt;head&gt;\n    &lt;meta charset=\&quot;utf-8\&quot;&gt;\n&lt;/head&gt;\n&lt;body&gt;\n\n&lt;?php\n    $num = rand(1, 3);\n    \n    if($num == 1){\n        print \&quot;Today is very lucky.\&quot;;\n    }else if($num == 2){\n        print \&quot;Today is lucky.\&quot;;\n    }else{\n        print \&quot;Today is unlucky.\&quot;;\n    }\n?&gt;\n\n&lt;/body&gt;\n&lt;/html&gt;\n&quot;,&quot;ctags&quot;:{&quot;num&quot;:[{&quot;linenum&quot;:&quot;9&quot;,&quot;signature&quot;:&quot;$num = rand(1, 3);&quot;}]}}"/>
-  </we:properties>
-  <we:bindings/>
-  <we:snapshot xmlns:r="http://schemas.openxmlformats.org/officeDocument/2006/relationships" r:embed="rId1"/>
-</we:webextension>
 </file>